--- a/Presentation/Final Presentation Life Management.pptx
+++ b/Presentation/Final Presentation Life Management.pptx
@@ -1645,7 +1645,7 @@
           <a:p>
             <a:fld id="{DF9958D6-4788-294E-B5FD-B712C32F5AF7}" type="datetimeFigureOut">
               <a:rPr lang="en-US" smtClean="0"/>
-              <a:t>11/28/17</a:t>
+              <a:t>12/12/17</a:t>
             </a:fld>
             <a:endParaRPr lang="en-US"/>
           </a:p>
@@ -1943,7 +1943,7 @@
           <a:p>
             <a:fld id="{DF9958D6-4788-294E-B5FD-B712C32F5AF7}" type="datetimeFigureOut">
               <a:rPr lang="en-US" smtClean="0"/>
-              <a:t>11/28/17</a:t>
+              <a:t>12/12/17</a:t>
             </a:fld>
             <a:endParaRPr lang="en-US"/>
           </a:p>
@@ -2160,7 +2160,7 @@
           <a:p>
             <a:fld id="{DF9958D6-4788-294E-B5FD-B712C32F5AF7}" type="datetimeFigureOut">
               <a:rPr lang="en-US" smtClean="0"/>
-              <a:t>11/28/17</a:t>
+              <a:t>12/12/17</a:t>
             </a:fld>
             <a:endParaRPr lang="en-US"/>
           </a:p>
@@ -2456,7 +2456,7 @@
           <a:p>
             <a:fld id="{DF9958D6-4788-294E-B5FD-B712C32F5AF7}" type="datetimeFigureOut">
               <a:rPr lang="en-US" smtClean="0"/>
-              <a:t>11/28/17</a:t>
+              <a:t>12/12/17</a:t>
             </a:fld>
             <a:endParaRPr lang="en-US"/>
           </a:p>
@@ -2820,7 +2820,7 @@
           <a:p>
             <a:fld id="{DF9958D6-4788-294E-B5FD-B712C32F5AF7}" type="datetimeFigureOut">
               <a:rPr lang="en-US" smtClean="0"/>
-              <a:t>11/28/17</a:t>
+              <a:t>12/12/17</a:t>
             </a:fld>
             <a:endParaRPr lang="en-US"/>
           </a:p>
@@ -3466,7 +3466,7 @@
           <a:p>
             <a:fld id="{DF9958D6-4788-294E-B5FD-B712C32F5AF7}" type="datetimeFigureOut">
               <a:rPr lang="en-US" smtClean="0"/>
-              <a:t>11/28/17</a:t>
+              <a:t>12/12/17</a:t>
             </a:fld>
             <a:endParaRPr lang="en-US"/>
           </a:p>
@@ -4349,7 +4349,7 @@
           <a:p>
             <a:fld id="{DF9958D6-4788-294E-B5FD-B712C32F5AF7}" type="datetimeFigureOut">
               <a:rPr lang="en-US" smtClean="0"/>
-              <a:t>11/28/17</a:t>
+              <a:t>12/12/17</a:t>
             </a:fld>
             <a:endParaRPr lang="en-US"/>
           </a:p>
@@ -4542,7 +4542,7 @@
           <a:p>
             <a:fld id="{DF9958D6-4788-294E-B5FD-B712C32F5AF7}" type="datetimeFigureOut">
               <a:rPr lang="en-US" smtClean="0"/>
-              <a:t>11/28/17</a:t>
+              <a:t>12/12/17</a:t>
             </a:fld>
             <a:endParaRPr lang="en-US"/>
           </a:p>
@@ -4745,7 +4745,7 @@
           <a:p>
             <a:fld id="{DF9958D6-4788-294E-B5FD-B712C32F5AF7}" type="datetimeFigureOut">
               <a:rPr lang="en-US" smtClean="0"/>
-              <a:t>11/28/17</a:t>
+              <a:t>12/12/17</a:t>
             </a:fld>
             <a:endParaRPr lang="en-US"/>
           </a:p>
@@ -5207,7 +5207,7 @@
           <a:p>
             <a:fld id="{DF9958D6-4788-294E-B5FD-B712C32F5AF7}" type="datetimeFigureOut">
               <a:rPr lang="en-US" smtClean="0"/>
-              <a:t>11/28/17</a:t>
+              <a:t>12/12/17</a:t>
             </a:fld>
             <a:endParaRPr lang="en-US"/>
           </a:p>
@@ -5522,7 +5522,7 @@
           <a:p>
             <a:fld id="{DF9958D6-4788-294E-B5FD-B712C32F5AF7}" type="datetimeFigureOut">
               <a:rPr lang="en-US" smtClean="0"/>
-              <a:t>11/28/17</a:t>
+              <a:t>12/12/17</a:t>
             </a:fld>
             <a:endParaRPr lang="en-US"/>
           </a:p>
@@ -5994,7 +5994,7 @@
           <a:p>
             <a:fld id="{DF9958D6-4788-294E-B5FD-B712C32F5AF7}" type="datetimeFigureOut">
               <a:rPr lang="en-US" smtClean="0"/>
-              <a:t>11/28/17</a:t>
+              <a:t>12/12/17</a:t>
             </a:fld>
             <a:endParaRPr lang="en-US"/>
           </a:p>
@@ -6140,7 +6140,7 @@
           <a:p>
             <a:fld id="{DF9958D6-4788-294E-B5FD-B712C32F5AF7}" type="datetimeFigureOut">
               <a:rPr lang="en-US" smtClean="0"/>
-              <a:t>11/28/17</a:t>
+              <a:t>12/12/17</a:t>
             </a:fld>
             <a:endParaRPr lang="en-US"/>
           </a:p>
@@ -6258,7 +6258,7 @@
           <a:p>
             <a:fld id="{DF9958D6-4788-294E-B5FD-B712C32F5AF7}" type="datetimeFigureOut">
               <a:rPr lang="en-US" smtClean="0"/>
-              <a:t>11/28/17</a:t>
+              <a:t>12/12/17</a:t>
             </a:fld>
             <a:endParaRPr lang="en-US"/>
           </a:p>
@@ -6543,7 +6543,7 @@
           <a:p>
             <a:fld id="{DF9958D6-4788-294E-B5FD-B712C32F5AF7}" type="datetimeFigureOut">
               <a:rPr lang="en-US" smtClean="0"/>
-              <a:t>11/28/17</a:t>
+              <a:t>12/12/17</a:t>
             </a:fld>
             <a:endParaRPr lang="en-US"/>
           </a:p>
@@ -6846,7 +6846,7 @@
           <a:p>
             <a:fld id="{DF9958D6-4788-294E-B5FD-B712C32F5AF7}" type="datetimeFigureOut">
               <a:rPr lang="en-US" smtClean="0"/>
-              <a:t>11/28/17</a:t>
+              <a:t>12/12/17</a:t>
             </a:fld>
             <a:endParaRPr lang="en-US"/>
           </a:p>
@@ -7434,7 +7434,7 @@
           <a:p>
             <a:fld id="{DF9958D6-4788-294E-B5FD-B712C32F5AF7}" type="datetimeFigureOut">
               <a:rPr lang="en-US" smtClean="0"/>
-              <a:t>11/28/17</a:t>
+              <a:t>12/12/17</a:t>
             </a:fld>
             <a:endParaRPr lang="en-US"/>
           </a:p>
@@ -9171,7 +9171,7 @@
         </p:spPr>
         <p:txBody>
           <a:bodyPr>
-            <a:normAutofit lnSpcReduction="10000"/>
+            <a:normAutofit fontScale="92500" lnSpcReduction="10000"/>
           </a:bodyPr>
           <a:lstStyle/>
           <a:p>
@@ -9269,6 +9269,37 @@
               </a:rPr>
               <a:t>nfili001@fiu.edu </a:t>
             </a:r>
+            <a:endParaRPr lang="en-US" sz="2700" u="sng" dirty="0" smtClean="0">
+              <a:latin typeface="Mongolian Baiti" charset="0"/>
+              <a:ea typeface="Mongolian Baiti" charset="0"/>
+              <a:cs typeface="Mongolian Baiti" charset="0"/>
+            </a:endParaRPr>
+          </a:p>
+          <a:p>
+            <a:pPr marL="0" indent="0">
+              <a:buNone/>
+            </a:pPr>
+            <a:r>
+              <a:rPr lang="en-US" sz="2700" u="sng" dirty="0" smtClean="0">
+                <a:latin typeface="Mongolian Baiti" charset="0"/>
+                <a:ea typeface="Mongolian Baiti" charset="0"/>
+                <a:cs typeface="Mongolian Baiti" charset="0"/>
+              </a:rPr>
+              <a:t>Eric Rado</a:t>
+            </a:r>
+            <a:r>
+              <a:rPr lang="en-US" sz="2700" u="sng" smtClean="0">
+                <a:latin typeface="Mongolian Baiti" charset="0"/>
+                <a:ea typeface="Mongolian Baiti" charset="0"/>
+                <a:cs typeface="Mongolian Baiti" charset="0"/>
+              </a:rPr>
+              <a:t>, erado003@fiu.edu</a:t>
+            </a:r>
+            <a:endParaRPr lang="en-US" sz="2700" u="sng" dirty="0">
+              <a:latin typeface="Mongolian Baiti" charset="0"/>
+              <a:ea typeface="Mongolian Baiti" charset="0"/>
+              <a:cs typeface="Mongolian Baiti" charset="0"/>
+            </a:endParaRPr>
           </a:p>
           <a:p>
             <a:pPr marL="0" indent="0">
